--- a/ClassMaterials/CPSFinal/26-CPSWrapup_set-bang.pptx
+++ b/ClassMaterials/CPSFinal/26-CPSWrapup_set-bang.pptx
@@ -494,7 +494,7 @@
             <a:fld id="{10D10769-02B4-4A39-A509-B85B96050F21}" type="datetimeFigureOut">
               <a:rPr lang="en-US" smtClean="0"/>
               <a:pPr/>
-              <a:t>10/19/2020</a:t>
+              <a:t>1/25/2022</a:t>
             </a:fld>
             <a:endParaRPr lang="en-US"/>
           </a:p>
@@ -10347,49 +10347,14 @@
             <a:pPr lvl="1"/>
             <a:r>
               <a:rPr lang="en-US" dirty="0"/>
-              <a:t>E&amp;C – already done (25 points)</a:t>
+              <a:t>E&amp;C – already done (20 points)</a:t>
             </a:r>
           </a:p>
           <a:p>
             <a:pPr lvl="1"/>
             <a:r>
               <a:rPr lang="en-US" dirty="0"/>
-              <a:t>Written part (estimate: 15-30 points)</a:t>
-            </a:r>
-            <a:br>
-              <a:rPr lang="en-US" dirty="0"/>
-            </a:br>
-            <a:r>
-              <a:rPr lang="en-US" dirty="0"/>
-              <a:t>Will include interpreter questions</a:t>
-            </a:r>
-            <a:br>
-              <a:rPr lang="en-US" dirty="0"/>
-            </a:br>
-            <a:r>
-              <a:rPr lang="en-US" dirty="0"/>
-              <a:t>(how did you implement …? </a:t>
-            </a:r>
-            <a:br>
-              <a:rPr lang="en-US" dirty="0"/>
-            </a:br>
-            <a:r>
-              <a:rPr lang="en-US" dirty="0"/>
-              <a:t> how would you add …)</a:t>
-            </a:r>
-          </a:p>
-          <a:p>
-            <a:pPr lvl="2"/>
-            <a:r>
-              <a:rPr lang="en-US" dirty="0"/>
-              <a:t>Know your interpreter well.</a:t>
-            </a:r>
-          </a:p>
-          <a:p>
-            <a:pPr lvl="1"/>
-            <a:r>
-              <a:rPr lang="en-US" dirty="0"/>
-              <a:t>Comp. part, possibly including interpreter problem(s), CPS, OOP (estimate: 65-80 points) </a:t>
+              <a:t>4 Computer part questions</a:t>
             </a:r>
           </a:p>
           <a:p>
